--- a/010/lesson_10.pptx
+++ b/010/lesson_10.pptx
@@ -15431,20 +15431,12 @@
               <a:t>PROGRAMMIERUNG BEGINNER KURS </a:t>
             </a:r>
             <a:r>
-              <a:rPr lang="en" dirty="0">
+              <a:rPr lang="en">
                 <a:solidFill>
                   <a:schemeClr val="accent1"/>
                 </a:solidFill>
               </a:rPr>
-              <a:t>PYTHON #</a:t>
-            </a:r>
-            <a:r>
-              <a:rPr lang="en-DE">
-                <a:solidFill>
-                  <a:schemeClr val="accent1"/>
-                </a:solidFill>
-              </a:rPr>
-              <a:t>9</a:t>
+              <a:t>PYTHON #10</a:t>
             </a:r>
             <a:endParaRPr sz="5000" dirty="0"/>
           </a:p>

--- a/010/lesson_10.pptx
+++ b/010/lesson_10.pptx
@@ -5,48 +5,39 @@
     <p:sldMasterId id="2147483668" r:id="rId1"/>
   </p:sldMasterIdLst>
   <p:notesMasterIdLst>
-    <p:notesMasterId r:id="rId9"/>
+    <p:notesMasterId r:id="rId7"/>
   </p:notesMasterIdLst>
   <p:sldIdLst>
     <p:sldId id="256" r:id="rId2"/>
     <p:sldId id="297" r:id="rId3"/>
-    <p:sldId id="333" r:id="rId4"/>
-    <p:sldId id="334" r:id="rId5"/>
-    <p:sldId id="332" r:id="rId6"/>
-    <p:sldId id="335" r:id="rId7"/>
-    <p:sldId id="278" r:id="rId8"/>
+    <p:sldId id="332" r:id="rId4"/>
+    <p:sldId id="335" r:id="rId5"/>
+    <p:sldId id="278" r:id="rId6"/>
   </p:sldIdLst>
   <p:sldSz cx="12192000" cy="6858000"/>
   <p:notesSz cx="6858000" cy="9144000"/>
   <p:embeddedFontLst>
     <p:embeddedFont>
       <p:font typeface="Abril Fatface" panose="02000503000000020003" pitchFamily="2" charset="0"/>
-      <p:regular r:id="rId10"/>
+      <p:regular r:id="rId8"/>
     </p:embeddedFont>
     <p:embeddedFont>
-      <p:font typeface="Aldrich" panose="020B0604020202020204" charset="0"/>
-      <p:regular r:id="rId11"/>
-    </p:embeddedFont>
-    <p:embeddedFont>
-      <p:font typeface="Calibri" panose="020F0502020204030204" pitchFamily="34" charset="0"/>
-      <p:regular r:id="rId12"/>
-      <p:bold r:id="rId13"/>
-      <p:italic r:id="rId14"/>
-      <p:boldItalic r:id="rId15"/>
+      <p:font typeface="Aldrich" panose="02000000000000000000" pitchFamily="2" charset="0"/>
+      <p:regular r:id="rId9"/>
     </p:embeddedFont>
     <p:embeddedFont>
       <p:font typeface="Roboto" panose="02000000000000000000" pitchFamily="2" charset="0"/>
-      <p:regular r:id="rId16"/>
-      <p:bold r:id="rId17"/>
-      <p:italic r:id="rId18"/>
-      <p:boldItalic r:id="rId19"/>
+      <p:regular r:id="rId10"/>
+      <p:bold r:id="rId11"/>
+      <p:italic r:id="rId12"/>
+      <p:boldItalic r:id="rId13"/>
     </p:embeddedFont>
     <p:embeddedFont>
       <p:font typeface="Roboto Mono" panose="00000009000000000000" pitchFamily="49" charset="0"/>
-      <p:regular r:id="rId20"/>
-      <p:bold r:id="rId21"/>
-      <p:italic r:id="rId22"/>
-      <p:boldItalic r:id="rId23"/>
+      <p:regular r:id="rId14"/>
+      <p:bold r:id="rId15"/>
+      <p:italic r:id="rId16"/>
+      <p:boldItalic r:id="rId17"/>
     </p:embeddedFont>
   </p:embeddedFontLst>
   <p:defaultTextStyle>
@@ -1048,7 +1039,7 @@
     </p:spTree>
     <p:extLst>
       <p:ext uri="{BB962C8B-B14F-4D97-AF65-F5344CB8AC3E}">
-        <p14:creationId xmlns:p14="http://schemas.microsoft.com/office/powerpoint/2010/main" val="222837815"/>
+        <p14:creationId xmlns:p14="http://schemas.microsoft.com/office/powerpoint/2010/main" val="4285859915"/>
       </p:ext>
     </p:extLst>
   </p:cSld>
@@ -1157,7 +1148,7 @@
     </p:spTree>
     <p:extLst>
       <p:ext uri="{BB962C8B-B14F-4D97-AF65-F5344CB8AC3E}">
-        <p14:creationId xmlns:p14="http://schemas.microsoft.com/office/powerpoint/2010/main" val="2362629242"/>
+        <p14:creationId xmlns:p14="http://schemas.microsoft.com/office/powerpoint/2010/main" val="117932933"/>
       </p:ext>
     </p:extLst>
   </p:cSld>
@@ -1168,224 +1159,6 @@
 </file>
 
 <file path=ppt/notesSlides/notesSlide5.xml><?xml version="1.0" encoding="utf-8"?>
-<p:notes xmlns:a="http://schemas.openxmlformats.org/drawingml/2006/main" xmlns:r="http://schemas.openxmlformats.org/officeDocument/2006/relationships" xmlns:p="http://schemas.openxmlformats.org/presentationml/2006/main" showMasterSp="0" showMasterPhAnim="0">
-  <p:cSld>
-    <p:spTree>
-      <p:nvGrpSpPr>
-        <p:cNvPr id="1" name="Shape 436"/>
-        <p:cNvGrpSpPr/>
-        <p:nvPr/>
-      </p:nvGrpSpPr>
-      <p:grpSpPr>
-        <a:xfrm>
-          <a:off x="0" y="0"/>
-          <a:ext cx="0" cy="0"/>
-          <a:chOff x="0" y="0"/>
-          <a:chExt cx="0" cy="0"/>
-        </a:xfrm>
-      </p:grpSpPr>
-      <p:sp>
-        <p:nvSpPr>
-          <p:cNvPr id="437" name="Google Shape;437;ga073618e60_0_106:notes"/>
-          <p:cNvSpPr>
-            <a:spLocks noGrp="1" noRot="1" noChangeAspect="1"/>
-          </p:cNvSpPr>
-          <p:nvPr>
-            <p:ph type="sldImg" idx="2"/>
-          </p:nvPr>
-        </p:nvSpPr>
-        <p:spPr>
-          <a:xfrm>
-            <a:off x="381000" y="685800"/>
-            <a:ext cx="6096000" cy="3429000"/>
-          </a:xfrm>
-          <a:custGeom>
-            <a:avLst/>
-            <a:gdLst/>
-            <a:ahLst/>
-            <a:cxnLst/>
-            <a:rect l="l" t="t" r="r" b="b"/>
-            <a:pathLst>
-              <a:path w="120000" h="120000" extrusionOk="0">
-                <a:moveTo>
-                  <a:pt x="0" y="0"/>
-                </a:moveTo>
-                <a:lnTo>
-                  <a:pt x="120000" y="0"/>
-                </a:lnTo>
-                <a:lnTo>
-                  <a:pt x="120000" y="120000"/>
-                </a:lnTo>
-                <a:lnTo>
-                  <a:pt x="0" y="120000"/>
-                </a:lnTo>
-                <a:close/>
-              </a:path>
-            </a:pathLst>
-          </a:custGeom>
-        </p:spPr>
-      </p:sp>
-      <p:sp>
-        <p:nvSpPr>
-          <p:cNvPr id="438" name="Google Shape;438;ga073618e60_0_106:notes"/>
-          <p:cNvSpPr txBox="1">
-            <a:spLocks noGrp="1"/>
-          </p:cNvSpPr>
-          <p:nvPr>
-            <p:ph type="body" idx="1"/>
-          </p:nvPr>
-        </p:nvSpPr>
-        <p:spPr>
-          <a:xfrm>
-            <a:off x="685800" y="4343400"/>
-            <a:ext cx="5486400" cy="4114800"/>
-          </a:xfrm>
-          <a:prstGeom prst="rect">
-            <a:avLst/>
-          </a:prstGeom>
-        </p:spPr>
-        <p:txBody>
-          <a:bodyPr spcFirstLastPara="1" wrap="square" lIns="91425" tIns="91425" rIns="91425" bIns="91425" anchor="t" anchorCtr="0">
-            <a:noAutofit/>
-          </a:bodyPr>
-          <a:lstStyle/>
-          <a:p>
-            <a:pPr marL="0" lvl="0" indent="0" algn="l" rtl="0">
-              <a:spcBef>
-                <a:spcPts val="0"/>
-              </a:spcBef>
-              <a:spcAft>
-                <a:spcPts val="0"/>
-              </a:spcAft>
-              <a:buNone/>
-            </a:pPr>
-            <a:endParaRPr/>
-          </a:p>
-        </p:txBody>
-      </p:sp>
-    </p:spTree>
-    <p:extLst>
-      <p:ext uri="{BB962C8B-B14F-4D97-AF65-F5344CB8AC3E}">
-        <p14:creationId xmlns:p14="http://schemas.microsoft.com/office/powerpoint/2010/main" val="4285859915"/>
-      </p:ext>
-    </p:extLst>
-  </p:cSld>
-  <p:clrMapOvr>
-    <a:masterClrMapping/>
-  </p:clrMapOvr>
-</p:notes>
-</file>
-
-<file path=ppt/notesSlides/notesSlide6.xml><?xml version="1.0" encoding="utf-8"?>
-<p:notes xmlns:a="http://schemas.openxmlformats.org/drawingml/2006/main" xmlns:r="http://schemas.openxmlformats.org/officeDocument/2006/relationships" xmlns:p="http://schemas.openxmlformats.org/presentationml/2006/main" showMasterSp="0" showMasterPhAnim="0">
-  <p:cSld>
-    <p:spTree>
-      <p:nvGrpSpPr>
-        <p:cNvPr id="1" name="Shape 436"/>
-        <p:cNvGrpSpPr/>
-        <p:nvPr/>
-      </p:nvGrpSpPr>
-      <p:grpSpPr>
-        <a:xfrm>
-          <a:off x="0" y="0"/>
-          <a:ext cx="0" cy="0"/>
-          <a:chOff x="0" y="0"/>
-          <a:chExt cx="0" cy="0"/>
-        </a:xfrm>
-      </p:grpSpPr>
-      <p:sp>
-        <p:nvSpPr>
-          <p:cNvPr id="437" name="Google Shape;437;ga073618e60_0_106:notes"/>
-          <p:cNvSpPr>
-            <a:spLocks noGrp="1" noRot="1" noChangeAspect="1"/>
-          </p:cNvSpPr>
-          <p:nvPr>
-            <p:ph type="sldImg" idx="2"/>
-          </p:nvPr>
-        </p:nvSpPr>
-        <p:spPr>
-          <a:xfrm>
-            <a:off x="381000" y="685800"/>
-            <a:ext cx="6096000" cy="3429000"/>
-          </a:xfrm>
-          <a:custGeom>
-            <a:avLst/>
-            <a:gdLst/>
-            <a:ahLst/>
-            <a:cxnLst/>
-            <a:rect l="l" t="t" r="r" b="b"/>
-            <a:pathLst>
-              <a:path w="120000" h="120000" extrusionOk="0">
-                <a:moveTo>
-                  <a:pt x="0" y="0"/>
-                </a:moveTo>
-                <a:lnTo>
-                  <a:pt x="120000" y="0"/>
-                </a:lnTo>
-                <a:lnTo>
-                  <a:pt x="120000" y="120000"/>
-                </a:lnTo>
-                <a:lnTo>
-                  <a:pt x="0" y="120000"/>
-                </a:lnTo>
-                <a:close/>
-              </a:path>
-            </a:pathLst>
-          </a:custGeom>
-        </p:spPr>
-      </p:sp>
-      <p:sp>
-        <p:nvSpPr>
-          <p:cNvPr id="438" name="Google Shape;438;ga073618e60_0_106:notes"/>
-          <p:cNvSpPr txBox="1">
-            <a:spLocks noGrp="1"/>
-          </p:cNvSpPr>
-          <p:nvPr>
-            <p:ph type="body" idx="1"/>
-          </p:nvPr>
-        </p:nvSpPr>
-        <p:spPr>
-          <a:xfrm>
-            <a:off x="685800" y="4343400"/>
-            <a:ext cx="5486400" cy="4114800"/>
-          </a:xfrm>
-          <a:prstGeom prst="rect">
-            <a:avLst/>
-          </a:prstGeom>
-        </p:spPr>
-        <p:txBody>
-          <a:bodyPr spcFirstLastPara="1" wrap="square" lIns="91425" tIns="91425" rIns="91425" bIns="91425" anchor="t" anchorCtr="0">
-            <a:noAutofit/>
-          </a:bodyPr>
-          <a:lstStyle/>
-          <a:p>
-            <a:pPr marL="0" lvl="0" indent="0" algn="l" rtl="0">
-              <a:spcBef>
-                <a:spcPts val="0"/>
-              </a:spcBef>
-              <a:spcAft>
-                <a:spcPts val="0"/>
-              </a:spcAft>
-              <a:buNone/>
-            </a:pPr>
-            <a:endParaRPr/>
-          </a:p>
-        </p:txBody>
-      </p:sp>
-    </p:spTree>
-    <p:extLst>
-      <p:ext uri="{BB962C8B-B14F-4D97-AF65-F5344CB8AC3E}">
-        <p14:creationId xmlns:p14="http://schemas.microsoft.com/office/powerpoint/2010/main" val="117932933"/>
-      </p:ext>
-    </p:extLst>
-  </p:cSld>
-  <p:clrMapOvr>
-    <a:masterClrMapping/>
-  </p:clrMapOvr>
-</p:notes>
-</file>
-
-<file path=ppt/notesSlides/notesSlide7.xml><?xml version="1.0" encoding="utf-8"?>
 <p:notes xmlns:a="http://schemas.openxmlformats.org/drawingml/2006/main" xmlns:r="http://schemas.openxmlformats.org/officeDocument/2006/relationships" xmlns:p="http://schemas.openxmlformats.org/presentationml/2006/main" showMasterSp="0" showMasterPhAnim="0">
   <p:cSld>
     <p:spTree>
@@ -9206,7 +8979,7 @@
             </a:pPr>
             <a:fld id="{00000000-1234-1234-1234-123412341234}" type="slidenum">
               <a:rPr lang="en"/>
-              <a:t>‹Nr.›</a:t>
+              <a:t>‹#›</a:t>
             </a:fld>
             <a:endParaRPr/>
           </a:p>
@@ -15541,56 +15314,6 @@
       </p:grpSpPr>
       <p:sp>
         <p:nvSpPr>
-          <p:cNvPr id="393" name="Google Shape;393;p24"/>
-          <p:cNvSpPr txBox="1">
-            <a:spLocks noGrp="1"/>
-          </p:cNvSpPr>
-          <p:nvPr>
-            <p:ph type="title" idx="5"/>
-          </p:nvPr>
-        </p:nvSpPr>
-        <p:spPr>
-          <a:xfrm>
-            <a:off x="9503275" y="4180200"/>
-            <a:ext cx="2166900" cy="695700"/>
-          </a:xfrm>
-          <a:prstGeom prst="rect">
-            <a:avLst/>
-          </a:prstGeom>
-        </p:spPr>
-        <p:txBody>
-          <a:bodyPr spcFirstLastPara="1" wrap="square" lIns="121900" tIns="121900" rIns="121900" bIns="121900" anchor="t" anchorCtr="0">
-            <a:noAutofit/>
-          </a:bodyPr>
-          <a:lstStyle/>
-          <a:p>
-            <a:pPr marL="0" lvl="0" indent="0" algn="r" rtl="0">
-              <a:spcBef>
-                <a:spcPts val="0"/>
-              </a:spcBef>
-              <a:spcAft>
-                <a:spcPts val="0"/>
-              </a:spcAft>
-              <a:buNone/>
-            </a:pPr>
-            <a:r>
-              <a:rPr lang="en" dirty="0">
-                <a:solidFill>
-                  <a:schemeClr val="accent2"/>
-                </a:solidFill>
-              </a:rPr>
-              <a:t>06</a:t>
-            </a:r>
-            <a:endParaRPr dirty="0">
-              <a:solidFill>
-                <a:schemeClr val="accent2"/>
-              </a:solidFill>
-            </a:endParaRPr>
-          </a:p>
-        </p:txBody>
-      </p:sp>
-      <p:sp>
-        <p:nvSpPr>
           <p:cNvPr id="394" name="Google Shape;394;p24"/>
           <p:cNvSpPr txBox="1">
             <a:spLocks noGrp="1"/>
@@ -15684,146 +15407,7 @@
             </a:r>
             <a:r>
               <a:rPr lang="en-US" dirty="0"/>
-              <a:t>Game </a:t>
-            </a:r>
-            <a:r>
-              <a:rPr lang="en-US" dirty="0" err="1"/>
-              <a:t>Controler</a:t>
-            </a:r>
-            <a:endParaRPr lang="en-US" dirty="0"/>
-          </a:p>
-        </p:txBody>
-      </p:sp>
-      <p:sp>
-        <p:nvSpPr>
-          <p:cNvPr id="396" name="Google Shape;396;p24"/>
-          <p:cNvSpPr txBox="1">
-            <a:spLocks noGrp="1"/>
-          </p:cNvSpPr>
-          <p:nvPr>
-            <p:ph type="body" idx="2"/>
-          </p:nvPr>
-        </p:nvSpPr>
-        <p:spPr>
-          <a:xfrm>
-            <a:off x="4418613" y="2437574"/>
-            <a:ext cx="3294600" cy="1206300"/>
-          </a:xfrm>
-          <a:prstGeom prst="rect">
-            <a:avLst/>
-          </a:prstGeom>
-        </p:spPr>
-        <p:txBody>
-          <a:bodyPr spcFirstLastPara="1" wrap="square" lIns="121900" tIns="121900" rIns="121900" bIns="121900" anchor="ctr" anchorCtr="0">
-            <a:noAutofit/>
-          </a:bodyPr>
-          <a:lstStyle/>
-          <a:p>
-            <a:pPr marL="0" indent="0">
-              <a:spcAft>
-                <a:spcPts val="2100"/>
-              </a:spcAft>
-              <a:buNone/>
-            </a:pPr>
-            <a:r>
-              <a:rPr lang="en-US" dirty="0">
-                <a:solidFill>
-                  <a:schemeClr val="accent1"/>
-                </a:solidFill>
-              </a:rPr>
-              <a:t>Challenge </a:t>
-            </a:r>
-            <a:r>
-              <a:rPr lang="en-US" dirty="0"/>
               <a:t>Score</a:t>
-            </a:r>
-          </a:p>
-        </p:txBody>
-      </p:sp>
-      <p:sp>
-        <p:nvSpPr>
-          <p:cNvPr id="397" name="Google Shape;397;p24"/>
-          <p:cNvSpPr txBox="1">
-            <a:spLocks noGrp="1"/>
-          </p:cNvSpPr>
-          <p:nvPr>
-            <p:ph type="body" idx="3"/>
-          </p:nvPr>
-        </p:nvSpPr>
-        <p:spPr>
-          <a:xfrm>
-            <a:off x="575949" y="4783425"/>
-            <a:ext cx="3398025" cy="1206300"/>
-          </a:xfrm>
-          <a:prstGeom prst="rect">
-            <a:avLst/>
-          </a:prstGeom>
-        </p:spPr>
-        <p:txBody>
-          <a:bodyPr spcFirstLastPara="1" wrap="square" lIns="121900" tIns="121900" rIns="121900" bIns="121900" anchor="ctr" anchorCtr="0">
-            <a:noAutofit/>
-          </a:bodyPr>
-          <a:lstStyle/>
-          <a:p>
-            <a:pPr marL="0" indent="0">
-              <a:spcAft>
-                <a:spcPts val="2100"/>
-              </a:spcAft>
-              <a:buNone/>
-            </a:pPr>
-            <a:r>
-              <a:rPr lang="en-US" b="1" dirty="0">
-                <a:solidFill>
-                  <a:schemeClr val="accent1"/>
-                </a:solidFill>
-              </a:rPr>
-              <a:t>FINALES </a:t>
-            </a:r>
-            <a:r>
-              <a:rPr lang="en-US" b="1" dirty="0"/>
-              <a:t>Quiz</a:t>
-            </a:r>
-          </a:p>
-        </p:txBody>
-      </p:sp>
-      <p:sp>
-        <p:nvSpPr>
-          <p:cNvPr id="398" name="Google Shape;398;p24"/>
-          <p:cNvSpPr txBox="1">
-            <a:spLocks noGrp="1"/>
-          </p:cNvSpPr>
-          <p:nvPr>
-            <p:ph type="body" idx="4"/>
-          </p:nvPr>
-        </p:nvSpPr>
-        <p:spPr>
-          <a:xfrm>
-            <a:off x="4418613" y="4783425"/>
-            <a:ext cx="3294600" cy="1206300"/>
-          </a:xfrm>
-          <a:prstGeom prst="rect">
-            <a:avLst/>
-          </a:prstGeom>
-        </p:spPr>
-        <p:txBody>
-          <a:bodyPr spcFirstLastPara="1" wrap="square" lIns="121900" tIns="121900" rIns="121900" bIns="121900" anchor="ctr" anchorCtr="0">
-            <a:noAutofit/>
-          </a:bodyPr>
-          <a:lstStyle/>
-          <a:p>
-            <a:pPr marL="0" indent="0">
-              <a:spcAft>
-                <a:spcPts val="2100"/>
-              </a:spcAft>
-              <a:buNone/>
-            </a:pPr>
-            <a:r>
-              <a:rPr lang="en" dirty="0">
-                <a:solidFill>
-                  <a:schemeClr val="accent1"/>
-                </a:solidFill>
-              </a:rPr>
-              <a:t>Raum für Ideen</a:t>
             </a:r>
           </a:p>
         </p:txBody>
@@ -15875,123 +15459,6 @@
                 <a:schemeClr val="accent1"/>
               </a:solidFill>
             </a:endParaRPr>
-          </a:p>
-        </p:txBody>
-      </p:sp>
-      <p:sp>
-        <p:nvSpPr>
-          <p:cNvPr id="400" name="Google Shape;400;p24"/>
-          <p:cNvSpPr txBox="1">
-            <a:spLocks noGrp="1"/>
-          </p:cNvSpPr>
-          <p:nvPr>
-            <p:ph type="body" idx="9"/>
-          </p:nvPr>
-        </p:nvSpPr>
-        <p:spPr>
-          <a:xfrm>
-            <a:off x="8299375" y="2437574"/>
-            <a:ext cx="3401800" cy="1206300"/>
-          </a:xfrm>
-          <a:prstGeom prst="rect">
-            <a:avLst/>
-          </a:prstGeom>
-        </p:spPr>
-        <p:txBody>
-          <a:bodyPr spcFirstLastPara="1" wrap="square" lIns="121900" tIns="121900" rIns="121900" bIns="121900" anchor="ctr" anchorCtr="0">
-            <a:noAutofit/>
-          </a:bodyPr>
-          <a:lstStyle/>
-          <a:p>
-            <a:pPr marL="0" indent="0">
-              <a:spcAft>
-                <a:spcPts val="2100"/>
-              </a:spcAft>
-              <a:buNone/>
-            </a:pPr>
-            <a:r>
-              <a:rPr lang="en-US" dirty="0">
-                <a:solidFill>
-                  <a:schemeClr val="accent1"/>
-                </a:solidFill>
-              </a:rPr>
-              <a:t>Challenge </a:t>
-            </a:r>
-            <a:r>
-              <a:rPr lang="en-US" dirty="0"/>
-              <a:t>Improvements</a:t>
-            </a:r>
-          </a:p>
-        </p:txBody>
-      </p:sp>
-      <p:sp>
-        <p:nvSpPr>
-          <p:cNvPr id="401" name="Google Shape;401;p24"/>
-          <p:cNvSpPr txBox="1">
-            <a:spLocks noGrp="1"/>
-          </p:cNvSpPr>
-          <p:nvPr>
-            <p:ph type="body" idx="13"/>
-          </p:nvPr>
-        </p:nvSpPr>
-        <p:spPr>
-          <a:xfrm>
-            <a:off x="8299375" y="4783425"/>
-            <a:ext cx="3294600" cy="1206300"/>
-          </a:xfrm>
-          <a:prstGeom prst="rect">
-            <a:avLst/>
-          </a:prstGeom>
-        </p:spPr>
-        <p:txBody>
-          <a:bodyPr spcFirstLastPara="1" wrap="square" lIns="121900" tIns="121900" rIns="121900" bIns="121900" anchor="ctr" anchorCtr="0">
-            <a:noAutofit/>
-          </a:bodyPr>
-          <a:lstStyle/>
-          <a:p>
-            <a:pPr marL="0" indent="0">
-              <a:spcAft>
-                <a:spcPts val="2100"/>
-              </a:spcAft>
-              <a:buNone/>
-            </a:pPr>
-            <a:r>
-              <a:rPr lang="en-US" dirty="0" err="1"/>
-              <a:t>Hier</a:t>
-            </a:r>
-            <a:r>
-              <a:rPr lang="en-US" dirty="0"/>
-              <a:t> </a:t>
-            </a:r>
-            <a:r>
-              <a:rPr lang="en-US" dirty="0" err="1"/>
-              <a:t>könnte</a:t>
-            </a:r>
-            <a:r>
-              <a:rPr lang="en-US" dirty="0"/>
-              <a:t> </a:t>
-            </a:r>
-            <a:r>
-              <a:rPr lang="en-US" dirty="0" err="1"/>
-              <a:t>ihre</a:t>
-            </a:r>
-            <a:r>
-              <a:rPr lang="en-US" dirty="0"/>
-              <a:t> </a:t>
-            </a:r>
-            <a:r>
-              <a:rPr lang="en-US" dirty="0" err="1"/>
-              <a:t>Werbung</a:t>
-            </a:r>
-            <a:r>
-              <a:rPr lang="en-US" dirty="0"/>
-              <a:t> </a:t>
-            </a:r>
-            <a:r>
-              <a:rPr lang="en-US" dirty="0" err="1"/>
-              <a:t>stehen</a:t>
-            </a:r>
-            <a:endParaRPr lang="en-US" dirty="0"/>
           </a:p>
         </p:txBody>
       </p:sp>
@@ -16139,43 +15606,125 @@
       </p:sp>
       <p:sp>
         <p:nvSpPr>
-          <p:cNvPr id="405" name="Google Shape;405;p24"/>
-          <p:cNvSpPr txBox="1">
+          <p:cNvPr id="3" name="Text Placeholder 2">
+            <a:extLst>
+              <a:ext uri="{FF2B5EF4-FFF2-40B4-BE49-F238E27FC236}">
+                <a16:creationId xmlns:a16="http://schemas.microsoft.com/office/drawing/2014/main" id="{231FA86D-7F7E-9D5E-04A4-1D205D4B36E0}"/>
+              </a:ext>
+            </a:extLst>
+          </p:cNvPr>
+          <p:cNvSpPr>
             <a:spLocks noGrp="1"/>
           </p:cNvSpPr>
           <p:nvPr>
-            <p:ph type="title" idx="5"/>
+            <p:ph type="body" idx="2"/>
           </p:nvPr>
         </p:nvSpPr>
         <p:spPr>
           <a:xfrm>
-            <a:off x="5693275" y="4180200"/>
-            <a:ext cx="2166900" cy="695700"/>
+            <a:off x="4418613" y="2437574"/>
+            <a:ext cx="3441562" cy="1206300"/>
           </a:xfrm>
-          <a:prstGeom prst="rect">
-            <a:avLst/>
-          </a:prstGeom>
         </p:spPr>
         <p:txBody>
-          <a:bodyPr spcFirstLastPara="1" wrap="square" lIns="121900" tIns="121900" rIns="121900" bIns="121900" anchor="t" anchorCtr="0">
-            <a:noAutofit/>
-          </a:bodyPr>
+          <a:bodyPr/>
           <a:lstStyle/>
           <a:p>
-            <a:pPr marL="0" lvl="0" indent="0" algn="r" rtl="0">
-              <a:spcBef>
-                <a:spcPts val="0"/>
-              </a:spcBef>
-              <a:spcAft>
-                <a:spcPts val="0"/>
-              </a:spcAft>
+            <a:pPr marL="114300" indent="0">
               <a:buNone/>
             </a:pPr>
             <a:r>
-              <a:rPr lang="en" dirty="0"/>
-              <a:t>05</a:t>
+              <a:rPr lang="en-US" dirty="0">
+                <a:solidFill>
+                  <a:schemeClr val="accent1"/>
+                </a:solidFill>
+              </a:rPr>
+              <a:t>Challenge </a:t>
             </a:r>
-            <a:endParaRPr dirty="0"/>
+            <a:r>
+              <a:rPr lang="en-US" dirty="0"/>
+              <a:t>Improvements</a:t>
+            </a:r>
+          </a:p>
+          <a:p>
+            <a:endParaRPr lang="de-DE" dirty="0"/>
+          </a:p>
+        </p:txBody>
+      </p:sp>
+      <p:sp>
+        <p:nvSpPr>
+          <p:cNvPr id="5" name="Text Placeholder 4">
+            <a:extLst>
+              <a:ext uri="{FF2B5EF4-FFF2-40B4-BE49-F238E27FC236}">
+                <a16:creationId xmlns:a16="http://schemas.microsoft.com/office/drawing/2014/main" id="{E1C06CF4-8C8C-566C-8CCA-39C034390C12}"/>
+              </a:ext>
+            </a:extLst>
+          </p:cNvPr>
+          <p:cNvSpPr>
+            <a:spLocks noGrp="1"/>
+          </p:cNvSpPr>
+          <p:nvPr>
+            <p:ph type="body" idx="9"/>
+          </p:nvPr>
+        </p:nvSpPr>
+        <p:spPr/>
+        <p:txBody>
+          <a:bodyPr/>
+          <a:lstStyle/>
+          <a:p>
+            <a:pPr marL="114300" indent="0">
+              <a:buNone/>
+            </a:pPr>
+            <a:r>
+              <a:rPr lang="en-US" b="1" dirty="0">
+                <a:solidFill>
+                  <a:schemeClr val="accent1"/>
+                </a:solidFill>
+              </a:rPr>
+              <a:t>FINALES </a:t>
+            </a:r>
+            <a:r>
+              <a:rPr lang="en-US" b="1" dirty="0"/>
+              <a:t>Quiz</a:t>
+            </a:r>
+          </a:p>
+        </p:txBody>
+      </p:sp>
+      <p:sp>
+        <p:nvSpPr>
+          <p:cNvPr id="7" name="Text Placeholder 6">
+            <a:extLst>
+              <a:ext uri="{FF2B5EF4-FFF2-40B4-BE49-F238E27FC236}">
+                <a16:creationId xmlns:a16="http://schemas.microsoft.com/office/drawing/2014/main" id="{A99B5146-2876-A965-10F9-A8873DE24EC7}"/>
+              </a:ext>
+            </a:extLst>
+          </p:cNvPr>
+          <p:cNvSpPr>
+            <a:spLocks noGrp="1"/>
+          </p:cNvSpPr>
+          <p:nvPr>
+            <p:ph type="body" idx="3"/>
+          </p:nvPr>
+        </p:nvSpPr>
+        <p:spPr/>
+        <p:txBody>
+          <a:bodyPr/>
+          <a:lstStyle/>
+          <a:p>
+            <a:pPr marL="114300" indent="0">
+              <a:buNone/>
+            </a:pPr>
+            <a:r>
+              <a:rPr lang="en" dirty="0">
+                <a:solidFill>
+                  <a:schemeClr val="accent1"/>
+                </a:solidFill>
+              </a:rPr>
+              <a:t>Raum für Ideen</a:t>
+            </a:r>
+          </a:p>
+          <a:p>
+            <a:endParaRPr lang="de-DE" dirty="0"/>
           </a:p>
         </p:txBody>
       </p:sp>
@@ -16200,474 +15749,6 @@
 </file>
 
 <file path=ppt/slides/slide3.xml><?xml version="1.0" encoding="utf-8"?>
-<p:sld xmlns:a="http://schemas.openxmlformats.org/drawingml/2006/main" xmlns:r="http://schemas.openxmlformats.org/officeDocument/2006/relationships" xmlns:p="http://schemas.openxmlformats.org/presentationml/2006/main">
-  <p:cSld>
-    <p:spTree>
-      <p:nvGrpSpPr>
-        <p:cNvPr id="1" name="Shape 439"/>
-        <p:cNvGrpSpPr/>
-        <p:nvPr/>
-      </p:nvGrpSpPr>
-      <p:grpSpPr>
-        <a:xfrm>
-          <a:off x="0" y="0"/>
-          <a:ext cx="0" cy="0"/>
-          <a:chOff x="0" y="0"/>
-          <a:chExt cx="0" cy="0"/>
-        </a:xfrm>
-      </p:grpSpPr>
-      <p:sp>
-        <p:nvSpPr>
-          <p:cNvPr id="440" name="Google Shape;440;p29"/>
-          <p:cNvSpPr txBox="1">
-            <a:spLocks noGrp="1"/>
-          </p:cNvSpPr>
-          <p:nvPr>
-            <p:ph type="title"/>
-          </p:nvPr>
-        </p:nvSpPr>
-        <p:spPr>
-          <a:xfrm>
-            <a:off x="684150" y="358863"/>
-            <a:ext cx="10672108" cy="763500"/>
-          </a:xfrm>
-          <a:prstGeom prst="rect">
-            <a:avLst/>
-          </a:prstGeom>
-        </p:spPr>
-        <p:txBody>
-          <a:bodyPr spcFirstLastPara="1" wrap="square" lIns="121900" tIns="121900" rIns="121900" bIns="121900" anchor="t" anchorCtr="0">
-            <a:noAutofit/>
-          </a:bodyPr>
-          <a:lstStyle/>
-          <a:p>
-            <a:pPr marL="0" lvl="0" indent="0" algn="l" rtl="0">
-              <a:spcBef>
-                <a:spcPts val="0"/>
-              </a:spcBef>
-              <a:spcAft>
-                <a:spcPts val="0"/>
-              </a:spcAft>
-              <a:buNone/>
-            </a:pPr>
-            <a:r>
-              <a:rPr lang="en-US" dirty="0"/>
-              <a:t>CHALLENGE </a:t>
-            </a:r>
-            <a:r>
-              <a:rPr lang="en" sz="6000" dirty="0">
-                <a:solidFill>
-                  <a:schemeClr val="accent2"/>
-                </a:solidFill>
-              </a:rPr>
-              <a:t>SPEED</a:t>
-            </a:r>
-            <a:endParaRPr sz="6000" dirty="0">
-              <a:solidFill>
-                <a:schemeClr val="accent2"/>
-              </a:solidFill>
-            </a:endParaRPr>
-          </a:p>
-        </p:txBody>
-      </p:sp>
-      <p:sp>
-        <p:nvSpPr>
-          <p:cNvPr id="441" name="Google Shape;441;p29"/>
-          <p:cNvSpPr txBox="1">
-            <a:spLocks noGrp="1"/>
-          </p:cNvSpPr>
-          <p:nvPr>
-            <p:ph type="subTitle" idx="1"/>
-          </p:nvPr>
-        </p:nvSpPr>
-        <p:spPr>
-          <a:xfrm>
-            <a:off x="1217558" y="1800269"/>
-            <a:ext cx="9755100" cy="606900"/>
-          </a:xfrm>
-          <a:prstGeom prst="rect">
-            <a:avLst/>
-          </a:prstGeom>
-        </p:spPr>
-        <p:txBody>
-          <a:bodyPr spcFirstLastPara="1" wrap="square" lIns="121900" tIns="121900" rIns="121900" bIns="121900" anchor="t" anchorCtr="0">
-            <a:noAutofit/>
-          </a:bodyPr>
-          <a:lstStyle/>
-          <a:p>
-            <a:pPr marL="0" lvl="0" indent="0" algn="l" rtl="0">
-              <a:spcBef>
-                <a:spcPts val="0"/>
-              </a:spcBef>
-              <a:spcAft>
-                <a:spcPts val="2100"/>
-              </a:spcAft>
-              <a:buNone/>
-            </a:pPr>
-            <a:r>
-              <a:rPr lang="en" dirty="0">
-                <a:solidFill>
-                  <a:schemeClr val="accent3"/>
-                </a:solidFill>
-              </a:rPr>
-              <a:t>UPDATE SPEED(c8)</a:t>
-            </a:r>
-            <a:endParaRPr dirty="0"/>
-          </a:p>
-        </p:txBody>
-      </p:sp>
-      <p:sp>
-        <p:nvSpPr>
-          <p:cNvPr id="4" name="Text Placeholder 3">
-            <a:extLst>
-              <a:ext uri="{FF2B5EF4-FFF2-40B4-BE49-F238E27FC236}">
-                <a16:creationId xmlns:a16="http://schemas.microsoft.com/office/drawing/2014/main" id="{71064820-2700-85EE-131A-51CE2DE86E8E}"/>
-              </a:ext>
-            </a:extLst>
-          </p:cNvPr>
-          <p:cNvSpPr>
-            <a:spLocks noGrp="1"/>
-          </p:cNvSpPr>
-          <p:nvPr>
-            <p:ph type="body" idx="4"/>
-          </p:nvPr>
-        </p:nvSpPr>
-        <p:spPr>
-          <a:xfrm>
-            <a:off x="1217550" y="2238218"/>
-            <a:ext cx="9755100" cy="2350874"/>
-          </a:xfrm>
-        </p:spPr>
-        <p:txBody>
-          <a:bodyPr/>
-          <a:lstStyle/>
-          <a:p>
-            <a:pPr marL="139700" indent="0">
-              <a:buNone/>
-            </a:pPr>
-            <a:r>
-              <a:rPr lang="de-DE" dirty="0"/>
-              <a:t>Die Geschwindigkeit der Schlange soll jedes Mal angepasst werden</a:t>
-            </a:r>
-            <a:r>
-              <a:rPr lang="en-DE" dirty="0"/>
-              <a:t>, </a:t>
-            </a:r>
-            <a:r>
-              <a:rPr lang="de-DE" dirty="0"/>
-              <a:t>wenn ein Apfel eingesammelt wird.</a:t>
-            </a:r>
-          </a:p>
-          <a:p>
-            <a:pPr marL="139700" indent="0">
-              <a:buNone/>
-            </a:pPr>
-            <a:endParaRPr lang="de-DE" dirty="0"/>
-          </a:p>
-          <a:p>
-            <a:pPr marL="139700" indent="0">
-              <a:buNone/>
-            </a:pPr>
-            <a:r>
-              <a:rPr lang="de-DE" dirty="0"/>
-              <a:t>Füge dafür die notwendige Funktion der Snake Klasse hinzu.</a:t>
-            </a:r>
-          </a:p>
-        </p:txBody>
-      </p:sp>
-    </p:spTree>
-    <p:extLst>
-      <p:ext uri="{BB962C8B-B14F-4D97-AF65-F5344CB8AC3E}">
-        <p14:creationId xmlns:p14="http://schemas.microsoft.com/office/powerpoint/2010/main" val="1468181330"/>
-      </p:ext>
-    </p:extLst>
-  </p:cSld>
-  <p:clrMapOvr>
-    <a:masterClrMapping/>
-  </p:clrMapOvr>
-  <p:transition>
-    <p:fade/>
-  </p:transition>
-</p:sld>
-</file>
-
-<file path=ppt/slides/slide4.xml><?xml version="1.0" encoding="utf-8"?>
-<p:sld xmlns:a="http://schemas.openxmlformats.org/drawingml/2006/main" xmlns:r="http://schemas.openxmlformats.org/officeDocument/2006/relationships" xmlns:p="http://schemas.openxmlformats.org/presentationml/2006/main">
-  <p:cSld>
-    <p:spTree>
-      <p:nvGrpSpPr>
-        <p:cNvPr id="1" name="Shape 439"/>
-        <p:cNvGrpSpPr/>
-        <p:nvPr/>
-      </p:nvGrpSpPr>
-      <p:grpSpPr>
-        <a:xfrm>
-          <a:off x="0" y="0"/>
-          <a:ext cx="0" cy="0"/>
-          <a:chOff x="0" y="0"/>
-          <a:chExt cx="0" cy="0"/>
-        </a:xfrm>
-      </p:grpSpPr>
-      <p:sp>
-        <p:nvSpPr>
-          <p:cNvPr id="440" name="Google Shape;440;p29"/>
-          <p:cNvSpPr txBox="1">
-            <a:spLocks noGrp="1"/>
-          </p:cNvSpPr>
-          <p:nvPr>
-            <p:ph type="title"/>
-          </p:nvPr>
-        </p:nvSpPr>
-        <p:spPr>
-          <a:xfrm>
-            <a:off x="684150" y="358863"/>
-            <a:ext cx="10672108" cy="763500"/>
-          </a:xfrm>
-          <a:prstGeom prst="rect">
-            <a:avLst/>
-          </a:prstGeom>
-        </p:spPr>
-        <p:txBody>
-          <a:bodyPr spcFirstLastPara="1" wrap="square" lIns="121900" tIns="121900" rIns="121900" bIns="121900" anchor="t" anchorCtr="0">
-            <a:noAutofit/>
-          </a:bodyPr>
-          <a:lstStyle/>
-          <a:p>
-            <a:pPr marL="0" lvl="0" indent="0" algn="l" rtl="0">
-              <a:spcBef>
-                <a:spcPts val="0"/>
-              </a:spcBef>
-              <a:spcAft>
-                <a:spcPts val="0"/>
-              </a:spcAft>
-              <a:buNone/>
-            </a:pPr>
-            <a:r>
-              <a:rPr lang="en-US" dirty="0"/>
-              <a:t>CHALLENGE </a:t>
-            </a:r>
-            <a:r>
-              <a:rPr lang="en" sz="6000" dirty="0">
-                <a:solidFill>
-                  <a:schemeClr val="accent2"/>
-                </a:solidFill>
-              </a:rPr>
-              <a:t>GAME CONTROLER</a:t>
-            </a:r>
-            <a:endParaRPr sz="6000" dirty="0">
-              <a:solidFill>
-                <a:schemeClr val="accent2"/>
-              </a:solidFill>
-            </a:endParaRPr>
-          </a:p>
-        </p:txBody>
-      </p:sp>
-      <p:sp>
-        <p:nvSpPr>
-          <p:cNvPr id="441" name="Google Shape;441;p29"/>
-          <p:cNvSpPr txBox="1">
-            <a:spLocks noGrp="1"/>
-          </p:cNvSpPr>
-          <p:nvPr>
-            <p:ph type="subTitle" idx="1"/>
-          </p:nvPr>
-        </p:nvSpPr>
-        <p:spPr>
-          <a:xfrm>
-            <a:off x="1217558" y="1800269"/>
-            <a:ext cx="9755100" cy="606900"/>
-          </a:xfrm>
-          <a:prstGeom prst="rect">
-            <a:avLst/>
-          </a:prstGeom>
-        </p:spPr>
-        <p:txBody>
-          <a:bodyPr spcFirstLastPara="1" wrap="square" lIns="121900" tIns="121900" rIns="121900" bIns="121900" anchor="t" anchorCtr="0">
-            <a:noAutofit/>
-          </a:bodyPr>
-          <a:lstStyle/>
-          <a:p>
-            <a:pPr marL="0" lvl="0" indent="0" algn="l" rtl="0">
-              <a:spcBef>
-                <a:spcPts val="0"/>
-              </a:spcBef>
-              <a:spcAft>
-                <a:spcPts val="2100"/>
-              </a:spcAft>
-              <a:buNone/>
-            </a:pPr>
-            <a:r>
-              <a:rPr lang="en" dirty="0">
-                <a:solidFill>
-                  <a:schemeClr val="accent3"/>
-                </a:solidFill>
-              </a:rPr>
-              <a:t>GAME CONTROLER(c9)</a:t>
-            </a:r>
-            <a:endParaRPr dirty="0"/>
-          </a:p>
-        </p:txBody>
-      </p:sp>
-      <p:sp>
-        <p:nvSpPr>
-          <p:cNvPr id="4" name="Text Placeholder 3">
-            <a:extLst>
-              <a:ext uri="{FF2B5EF4-FFF2-40B4-BE49-F238E27FC236}">
-                <a16:creationId xmlns:a16="http://schemas.microsoft.com/office/drawing/2014/main" id="{71064820-2700-85EE-131A-51CE2DE86E8E}"/>
-              </a:ext>
-            </a:extLst>
-          </p:cNvPr>
-          <p:cNvSpPr>
-            <a:spLocks noGrp="1"/>
-          </p:cNvSpPr>
-          <p:nvPr>
-            <p:ph type="body" idx="4"/>
-          </p:nvPr>
-        </p:nvSpPr>
-        <p:spPr>
-          <a:xfrm>
-            <a:off x="1217550" y="2238218"/>
-            <a:ext cx="9755100" cy="2350874"/>
-          </a:xfrm>
-        </p:spPr>
-        <p:txBody>
-          <a:bodyPr/>
-          <a:lstStyle/>
-          <a:p>
-            <a:pPr marL="139700" indent="0">
-              <a:buNone/>
-            </a:pPr>
-            <a:r>
-              <a:rPr lang="de-DE" dirty="0"/>
-              <a:t>Die ganzen tollen Funktionen sollen nun alle zusammengeführt werden.</a:t>
-            </a:r>
-          </a:p>
-          <a:p>
-            <a:pPr marL="139700" indent="0">
-              <a:buNone/>
-            </a:pPr>
-            <a:endParaRPr lang="de-DE" dirty="0"/>
-          </a:p>
-          <a:p>
-            <a:pPr marL="139700" indent="0">
-              <a:buNone/>
-            </a:pPr>
-            <a:r>
-              <a:rPr lang="de-DE" dirty="0"/>
-              <a:t>Schreibe code für einen Game Controller, er soll dafür sorgen dass sich die Schlange beweget und sobald Nahrung eingesammelt wird die Schlange länger wird, sich die Geschwindigkeit anpasst und die Nahrung neu platziert wird.</a:t>
-            </a:r>
-            <a:endParaRPr lang="en-DE" dirty="0"/>
-          </a:p>
-          <a:p>
-            <a:pPr marL="139700" indent="0">
-              <a:buNone/>
-            </a:pPr>
-            <a:endParaRPr lang="en-DE" dirty="0"/>
-          </a:p>
-          <a:p>
-            <a:pPr marL="139700" indent="0">
-              <a:buNone/>
-            </a:pPr>
-            <a:r>
-              <a:rPr lang="en-DE" dirty="0" err="1"/>
-              <a:t>Zeichne</a:t>
-            </a:r>
-            <a:r>
-              <a:rPr lang="en-DE" dirty="0"/>
-              <a:t> </a:t>
-            </a:r>
-            <a:r>
-              <a:rPr lang="en-DE" dirty="0" err="1"/>
-              <a:t>innerhalb</a:t>
-            </a:r>
-            <a:r>
-              <a:rPr lang="en-DE" dirty="0"/>
-              <a:t> des Fensters </a:t>
-            </a:r>
-            <a:r>
-              <a:rPr lang="en-DE" dirty="0" err="1"/>
-              <a:t>ein</a:t>
-            </a:r>
-            <a:r>
-              <a:rPr lang="en-DE" dirty="0"/>
-              <a:t> </a:t>
-            </a:r>
-            <a:r>
-              <a:rPr lang="en-DE" dirty="0" err="1"/>
-              <a:t>Rahmen</a:t>
-            </a:r>
-            <a:r>
-              <a:rPr lang="en-DE" dirty="0"/>
-              <a:t>, der das </a:t>
-            </a:r>
-            <a:r>
-              <a:rPr lang="en-DE" dirty="0" err="1"/>
-              <a:t>Spielfeld</a:t>
-            </a:r>
-            <a:r>
-              <a:rPr lang="en-DE" dirty="0"/>
-              <a:t> </a:t>
-            </a:r>
-            <a:r>
-              <a:rPr lang="en-DE" dirty="0" err="1"/>
-              <a:t>deutlicher</a:t>
-            </a:r>
-            <a:r>
-              <a:rPr lang="en-DE" dirty="0"/>
-              <a:t> </a:t>
-            </a:r>
-            <a:r>
-              <a:rPr lang="en-DE" dirty="0" err="1"/>
-              <a:t>abgrenzen</a:t>
-            </a:r>
-            <a:r>
-              <a:rPr lang="en-DE" dirty="0"/>
-              <a:t> </a:t>
-            </a:r>
-            <a:r>
-              <a:rPr lang="en-DE" dirty="0" err="1"/>
-              <a:t>soll</a:t>
-            </a:r>
-            <a:r>
-              <a:rPr lang="en-DE" dirty="0"/>
-              <a:t>. </a:t>
-            </a:r>
-            <a:endParaRPr lang="de-DE" dirty="0"/>
-          </a:p>
-          <a:p>
-            <a:pPr marL="139700" indent="0">
-              <a:buNone/>
-            </a:pPr>
-            <a:endParaRPr lang="de-DE" dirty="0"/>
-          </a:p>
-          <a:p>
-            <a:pPr marL="139700" indent="0">
-              <a:buNone/>
-            </a:pPr>
-            <a:r>
-              <a:rPr lang="de-DE" dirty="0"/>
-              <a:t>Wenn die Schlange mit der Border kollidiert soll das Spiel zurück gesetzt werden.</a:t>
-            </a:r>
-          </a:p>
-        </p:txBody>
-      </p:sp>
-    </p:spTree>
-    <p:extLst>
-      <p:ext uri="{BB962C8B-B14F-4D97-AF65-F5344CB8AC3E}">
-        <p14:creationId xmlns:p14="http://schemas.microsoft.com/office/powerpoint/2010/main" val="1309005159"/>
-      </p:ext>
-    </p:extLst>
-  </p:cSld>
-  <p:clrMapOvr>
-    <a:masterClrMapping/>
-  </p:clrMapOvr>
-  <p:transition>
-    <p:fade/>
-  </p:transition>
-</p:sld>
-</file>
-
-<file path=ppt/slides/slide5.xml><?xml version="1.0" encoding="utf-8"?>
 <p:sld xmlns:a="http://schemas.openxmlformats.org/drawingml/2006/main" xmlns:r="http://schemas.openxmlformats.org/officeDocument/2006/relationships" xmlns:p="http://schemas.openxmlformats.org/presentationml/2006/main">
   <p:cSld>
     <p:spTree>
@@ -17053,7 +16134,7 @@
 </p:sld>
 </file>
 
-<file path=ppt/slides/slide6.xml><?xml version="1.0" encoding="utf-8"?>
+<file path=ppt/slides/slide4.xml><?xml version="1.0" encoding="utf-8"?>
 <p:sld xmlns:a="http://schemas.openxmlformats.org/drawingml/2006/main" xmlns:r="http://schemas.openxmlformats.org/officeDocument/2006/relationships" xmlns:p="http://schemas.openxmlformats.org/presentationml/2006/main">
   <p:cSld>
     <p:spTree>
@@ -17253,7 +16334,7 @@
 </p:sld>
 </file>
 
-<file path=ppt/slides/slide7.xml><?xml version="1.0" encoding="utf-8"?>
+<file path=ppt/slides/slide5.xml><?xml version="1.0" encoding="utf-8"?>
 <p:sld xmlns:a="http://schemas.openxmlformats.org/drawingml/2006/main" xmlns:r="http://schemas.openxmlformats.org/officeDocument/2006/relationships" xmlns:p="http://schemas.openxmlformats.org/presentationml/2006/main">
   <p:cSld>
     <p:spTree>
